--- a/开题报告.pptx
+++ b/开题报告.pptx
@@ -7203,7 +7203,7 @@
                 <a:latin typeface="+mn-ea"/>
                 <a:cs typeface="Times New Roman" panose="02020603050405020304" pitchFamily="18" charset="0"/>
               </a:rPr>
-              <a:t>本系统相较于传统区块链采用的是树状区跨链的方法，拓扑结构较为复杂，在复刻时需要维护更多，且对速率有更严格的要求</a:t>
+              <a:t>本系统相较于传统区块链采用的是树状区跨链的方法，拓扑结构较为复杂，在复刻时需要维护更多，对确保跨链交易的原子性有更高的要求，且对速率有更严格的要求</a:t>
             </a:r>
             <a:endParaRPr lang="en-US" altLang="zh-CN" sz="2200" dirty="0">
               <a:solidFill>
@@ -7214,12 +7214,41 @@
             </a:endParaRPr>
           </a:p>
           <a:p>
-            <a:pPr marL="0" indent="0">
+            <a:pPr>
               <a:lnSpc>
                 <a:spcPct val="150000"/>
               </a:lnSpc>
-              <a:buNone/>
             </a:pPr>
+            <a:r>
+              <a:rPr lang="zh-CN" altLang="en-US" sz="2200" dirty="0">
+                <a:solidFill>
+                  <a:schemeClr val="tx1"/>
+                </a:solidFill>
+                <a:latin typeface="+mn-ea"/>
+                <a:cs typeface="Times New Roman" panose="02020603050405020304" pitchFamily="18" charset="0"/>
+              </a:rPr>
+              <a:t>新的合约的研究</a:t>
+            </a:r>
+            <a:r>
+              <a:rPr lang="zh-CN" altLang="en-US" sz="2200" b="1" dirty="0">
+                <a:solidFill>
+                  <a:schemeClr val="tx1"/>
+                </a:solidFill>
+                <a:latin typeface="+mn-ea"/>
+                <a:cs typeface="Times New Roman" panose="02020603050405020304" pitchFamily="18" charset="0"/>
+              </a:rPr>
+              <a:t>：</a:t>
+            </a:r>
+            <a:r>
+              <a:rPr lang="zh-CN" altLang="en-US" sz="2200" dirty="0">
+                <a:solidFill>
+                  <a:schemeClr val="tx1"/>
+                </a:solidFill>
+                <a:latin typeface="+mn-ea"/>
+                <a:cs typeface="Times New Roman" panose="02020603050405020304" pitchFamily="18" charset="0"/>
+              </a:rPr>
+              <a:t>该研究希望是基于现有拓扑进行，需要设计满足系统需求的合约</a:t>
+            </a:r>
             <a:endParaRPr lang="en-US" altLang="zh-CN" sz="2200" dirty="0">
               <a:solidFill>
                 <a:schemeClr val="tx1"/>
@@ -7235,24 +7264,14 @@
               </a:lnSpc>
             </a:pPr>
             <a:r>
-              <a:rPr lang="zh-CN" altLang="en-US" sz="2200" b="1" dirty="0">
+              <a:rPr lang="zh-CN" altLang="en-US" sz="2200" dirty="0">
                 <a:solidFill>
                   <a:schemeClr val="tx1"/>
                 </a:solidFill>
                 <a:latin typeface="+mn-ea"/>
                 <a:cs typeface="Times New Roman" panose="02020603050405020304" pitchFamily="18" charset="0"/>
               </a:rPr>
-              <a:t>新的合约的研究：</a:t>
-            </a:r>
-            <a:r>
-              <a:rPr lang="zh-CN" altLang="en-US" sz="2200" dirty="0">
-                <a:solidFill>
-                  <a:schemeClr val="tx1"/>
-                </a:solidFill>
-                <a:latin typeface="+mn-ea"/>
-                <a:cs typeface="Times New Roman" panose="02020603050405020304" pitchFamily="18" charset="0"/>
-              </a:rPr>
-              <a:t>该研究希望是基于现有拓扑进行，需要设计满足系统需求且相应高效安全的跨链合约</a:t>
+              <a:t>需要确保链之间信息独立安全，交互快捷</a:t>
             </a:r>
             <a:endParaRPr lang="en-US" altLang="zh-CN" sz="2200" dirty="0">
               <a:solidFill>
@@ -9190,7 +9209,7 @@
               <a:rPr lang="zh-CN" altLang="en-US" dirty="0">
                 <a:latin typeface="+mn-ea"/>
               </a:rPr>
-              <a:t>联盟链的原有的数据</a:t>
+              <a:t>联盟链的原有的数据隐私和许可使用的特性。它可以将多</a:t>
             </a:r>
             <a:r>
               <a:rPr lang="en-US" altLang="zh-CN" dirty="0">
@@ -9202,19 +9221,7 @@
               <a:rPr lang="zh-CN" altLang="en-US" dirty="0">
                 <a:latin typeface="+mn-ea"/>
               </a:rPr>
-              <a:t>隐私和许可使用的特性。它可以将</a:t>
-            </a:r>
-            <a:r>
-              <a:rPr lang="en-US" altLang="zh-CN" dirty="0">
-                <a:latin typeface="+mn-ea"/>
-              </a:rPr>
-              <a:t>	</a:t>
-            </a:r>
-            <a:r>
-              <a:rPr lang="zh-CN" altLang="en-US" dirty="0">
-                <a:latin typeface="+mn-ea"/>
-              </a:rPr>
-              <a:t>多个区块链互相连接。</a:t>
+              <a:t>个区块链互相连接。</a:t>
             </a:r>
           </a:p>
           <a:p>

--- a/开题报告.pptx
+++ b/开题报告.pptx
@@ -11,14 +11,15 @@
     <p:sldId id="1168" r:id="rId5"/>
     <p:sldId id="1150" r:id="rId6"/>
     <p:sldId id="1156" r:id="rId7"/>
-    <p:sldId id="1151" r:id="rId8"/>
-    <p:sldId id="1172" r:id="rId9"/>
+    <p:sldId id="1174" r:id="rId8"/>
+    <p:sldId id="1151" r:id="rId9"/>
     <p:sldId id="1164" r:id="rId10"/>
-    <p:sldId id="1157" r:id="rId11"/>
-    <p:sldId id="1173" r:id="rId12"/>
-    <p:sldId id="1169" r:id="rId13"/>
-    <p:sldId id="1171" r:id="rId14"/>
-    <p:sldId id="1162" r:id="rId15"/>
+    <p:sldId id="1175" r:id="rId11"/>
+    <p:sldId id="1157" r:id="rId12"/>
+    <p:sldId id="1173" r:id="rId13"/>
+    <p:sldId id="1169" r:id="rId14"/>
+    <p:sldId id="1171" r:id="rId15"/>
+    <p:sldId id="1162" r:id="rId16"/>
   </p:sldIdLst>
   <p:sldSz cx="12192000" cy="6858000"/>
   <p:notesSz cx="6858000" cy="9144000"/>
@@ -697,7 +698,7 @@
                 <a:tabLst/>
                 <a:defRPr/>
               </a:pPr>
-              <a:t>2023/1/4</a:t>
+              <a:t>2023/1/6</a:t>
             </a:fld>
             <a:endParaRPr kumimoji="1" lang="zh-CN" altLang="en-US" sz="900" b="0" i="0" u="none" strike="noStrike" kern="1200" cap="none" spc="0" normalizeH="0" baseline="0" noProof="0">
               <a:ln>
@@ -1129,7 +1130,7 @@
                 <a:tabLst/>
                 <a:defRPr/>
               </a:pPr>
-              <a:t>2023/1/4</a:t>
+              <a:t>2023/1/6</a:t>
             </a:fld>
             <a:endParaRPr kumimoji="1" lang="zh-CN" altLang="en-US" sz="900" b="0" i="0" u="none" strike="noStrike" kern="1200" cap="none" spc="0" normalizeH="0" baseline="0" noProof="0">
               <a:ln>
@@ -1501,7 +1502,7 @@
                 <a:tabLst/>
                 <a:defRPr/>
               </a:pPr>
-              <a:t>2023/1/4</a:t>
+              <a:t>2023/1/6</a:t>
             </a:fld>
             <a:endParaRPr kumimoji="1" lang="zh-CN" altLang="en-US" sz="900" b="0" i="0" u="none" strike="noStrike" kern="1200" cap="none" spc="0" normalizeH="0" baseline="0" noProof="0">
               <a:ln>
@@ -1925,7 +1926,7 @@
                 <a:tabLst/>
                 <a:defRPr/>
               </a:pPr>
-              <a:t>2023/1/4</a:t>
+              <a:t>2023/1/6</a:t>
             </a:fld>
             <a:endParaRPr kumimoji="1" lang="zh-CN" altLang="en-US" sz="900" b="0" i="0" u="none" strike="noStrike" kern="1200" cap="none" spc="0" normalizeH="0" baseline="0" noProof="0">
               <a:ln>
@@ -2332,7 +2333,7 @@
                 <a:tabLst/>
                 <a:defRPr/>
               </a:pPr>
-              <a:t>2023/1/4</a:t>
+              <a:t>2023/1/6</a:t>
             </a:fld>
             <a:endParaRPr kumimoji="1" lang="zh-CN" altLang="en-US" sz="900" b="0" i="0" u="none" strike="noStrike" kern="1200" cap="none" spc="0" normalizeH="0" baseline="0" noProof="0">
               <a:ln>
@@ -2681,7 +2682,7 @@
                 <a:tabLst/>
                 <a:defRPr/>
               </a:pPr>
-              <a:t>2023/1/4</a:t>
+              <a:t>2023/1/6</a:t>
             </a:fld>
             <a:endParaRPr kumimoji="1" lang="zh-CN" altLang="en-US" sz="900" b="0" i="0" u="none" strike="noStrike" kern="1200" cap="none" spc="0" normalizeH="0" baseline="0" noProof="0">
               <a:ln>
@@ -3462,7 +3463,7 @@
                 <a:tabLst/>
                 <a:defRPr/>
               </a:pPr>
-              <a:t>2023/1/4</a:t>
+              <a:t>2023/1/6</a:t>
             </a:fld>
             <a:endParaRPr kumimoji="1" lang="zh-CN" altLang="en-US" sz="900" b="0" i="0" u="none" strike="noStrike" kern="1200" cap="none" spc="0" normalizeH="0" baseline="0" noProof="0">
               <a:ln>
@@ -3906,7 +3907,7 @@
                 <a:tabLst/>
                 <a:defRPr/>
               </a:pPr>
-              <a:t>2023/1/4</a:t>
+              <a:t>2023/1/6</a:t>
             </a:fld>
             <a:endParaRPr kumimoji="1" lang="zh-CN" altLang="en-US" sz="900" b="0" i="0" u="none" strike="noStrike" kern="1200" cap="none" spc="0" normalizeH="0" baseline="0" noProof="0">
               <a:ln>
@@ -4439,7 +4440,7 @@
                 <a:tabLst/>
                 <a:defRPr/>
               </a:pPr>
-              <a:t>2023/1/4</a:t>
+              <a:t>2023/1/6</a:t>
             </a:fld>
             <a:endParaRPr kumimoji="1" lang="zh-CN" altLang="en-US" sz="900" b="0" i="0" u="none" strike="noStrike" kern="1200" cap="none" spc="0" normalizeH="0" baseline="0" noProof="0">
               <a:ln>
@@ -4712,7 +4713,7 @@
                 <a:tabLst/>
                 <a:defRPr/>
               </a:pPr>
-              <a:t>2023/1/4</a:t>
+              <a:t>2023/1/6</a:t>
             </a:fld>
             <a:endParaRPr kumimoji="1" lang="zh-CN" altLang="en-US" sz="900" b="0" i="0" u="none" strike="noStrike" kern="1200" cap="none" spc="0" normalizeH="0" baseline="0" noProof="0">
               <a:ln>
@@ -4985,7 +4986,7 @@
                 <a:tabLst/>
                 <a:defRPr/>
               </a:pPr>
-              <a:t>2023/1/4</a:t>
+              <a:t>2023/1/6</a:t>
             </a:fld>
             <a:endParaRPr kumimoji="1" lang="zh-CN" altLang="en-US" sz="900" b="0" i="0" u="none" strike="noStrike" kern="1200" cap="none" spc="0" normalizeH="0" baseline="0" noProof="0">
               <a:ln>
@@ -5588,7 +5589,7 @@
                 <a:tabLst/>
                 <a:defRPr/>
               </a:pPr>
-              <a:t>2023/1/4</a:t>
+              <a:t>2023/1/6</a:t>
             </a:fld>
             <a:endParaRPr kumimoji="1" lang="zh-CN" altLang="en-US" sz="900" b="0" i="0" u="none" strike="noStrike" kern="1200" cap="none" spc="0" normalizeH="0" baseline="0" noProof="0">
               <a:ln>
@@ -6057,7 +6058,7 @@
                 <a:tabLst/>
                 <a:defRPr/>
               </a:pPr>
-              <a:t>2023/1/4</a:t>
+              <a:t>2023/1/6</a:t>
             </a:fld>
             <a:endParaRPr kumimoji="1" lang="zh-CN" altLang="en-US" sz="900" b="0" i="0" u="none" strike="noStrike" kern="1200" cap="none" spc="0" normalizeH="0" baseline="0" noProof="0">
               <a:ln>
@@ -6925,7 +6926,7 @@
         <p:spPr>
           <a:xfrm>
             <a:off x="835306" y="1608142"/>
-            <a:ext cx="10521387" cy="4766934"/>
+            <a:ext cx="10695634" cy="4766934"/>
           </a:xfrm>
         </p:spPr>
         <p:txBody>
@@ -7013,7 +7014,7 @@
               <a:buNone/>
             </a:pPr>
             <a:r>
-              <a:rPr lang="en-US" altLang="zh-CN" b="1" dirty="0">
+              <a:rPr lang="en-US" altLang="zh-CN" sz="1900" dirty="0">
                 <a:solidFill>
                   <a:schemeClr val="tx1"/>
                 </a:solidFill>
@@ -7023,7 +7024,7 @@
               <a:t>	</a:t>
             </a:r>
             <a:r>
-              <a:rPr lang="zh-CN" altLang="en-US" dirty="0">
+              <a:rPr lang="zh-CN" altLang="en-US" sz="1900" dirty="0">
                 <a:solidFill>
                   <a:schemeClr val="tx1"/>
                 </a:solidFill>
@@ -7032,12 +7033,8 @@
               </a:rPr>
               <a:t>对原有数据结构进行拓展，尝试在树状区块链上复刻现阶段研究的跨链操作</a:t>
             </a:r>
-            <a:endParaRPr lang="en-US" altLang="zh-CN" dirty="0">
-              <a:solidFill>
-                <a:schemeClr val="tx1"/>
-              </a:solidFill>
+            <a:endParaRPr lang="en-US" altLang="zh-CN" sz="1900" dirty="0">
               <a:latin typeface="+mn-ea"/>
-              <a:cs typeface="Times New Roman" panose="02020603050405020304" pitchFamily="18" charset="0"/>
             </a:endParaRPr>
           </a:p>
           <a:p>
@@ -7135,7 +7132,7 @@
     </p:spTree>
     <p:extLst>
       <p:ext uri="{BB962C8B-B14F-4D97-AF65-F5344CB8AC3E}">
-        <p14:creationId xmlns:p14="http://schemas.microsoft.com/office/powerpoint/2010/main" val="1619854124"/>
+        <p14:creationId xmlns:p14="http://schemas.microsoft.com/office/powerpoint/2010/main" val="1352823552"/>
       </p:ext>
     </p:extLst>
   </p:cSld>
@@ -7181,7 +7178,7 @@
         <p:spPr>
           <a:xfrm>
             <a:off x="835306" y="1608142"/>
-            <a:ext cx="10521387" cy="4766934"/>
+            <a:ext cx="10521388" cy="4766934"/>
           </a:xfrm>
         </p:spPr>
         <p:txBody>
@@ -7196,16 +7193,16 @@
               </a:lnSpc>
             </a:pPr>
             <a:r>
-              <a:rPr lang="zh-CN" altLang="en-US" sz="2200" dirty="0">
+              <a:rPr lang="zh-CN" altLang="en-US" sz="2400" b="1" dirty="0">
                 <a:solidFill>
                   <a:schemeClr val="tx1"/>
                 </a:solidFill>
                 <a:latin typeface="+mn-ea"/>
                 <a:cs typeface="Times New Roman" panose="02020603050405020304" pitchFamily="18" charset="0"/>
               </a:rPr>
-              <a:t>本系统相较于传统区块链采用的是树状区跨链的方法，拓扑结构较为复杂，在复刻时需要维护更多，对确保跨链交易的原子性有更高的要求，且对速率有更严格的要求</a:t>
-            </a:r>
-            <a:endParaRPr lang="en-US" altLang="zh-CN" sz="2200" dirty="0">
+              <a:t>进行实验测试效果</a:t>
+            </a:r>
+            <a:endParaRPr lang="en-US" altLang="zh-CN" sz="2400" b="1" dirty="0">
               <a:solidFill>
                 <a:schemeClr val="tx1"/>
               </a:solidFill>
@@ -7220,39 +7217,31 @@
               </a:lnSpc>
             </a:pPr>
             <a:r>
-              <a:rPr lang="zh-CN" altLang="en-US" sz="2200" dirty="0">
-                <a:solidFill>
-                  <a:schemeClr val="tx1"/>
-                </a:solidFill>
+              <a:rPr lang="en-US" altLang="zh-CN" sz="1800" kern="0" dirty="0">
+                <a:solidFill>
+                  <a:srgbClr val="000000"/>
+                </a:solidFill>
+                <a:effectLst/>
+                <a:latin typeface="+mn-ea"/>
+              </a:rPr>
+              <a:t>(1)</a:t>
+            </a:r>
+            <a:r>
+              <a:rPr lang="zh-CN" altLang="zh-CN" sz="1800" kern="0" dirty="0">
+                <a:solidFill>
+                  <a:srgbClr val="000000"/>
+                </a:solidFill>
+                <a:effectLst/>
                 <a:latin typeface="+mn-ea"/>
                 <a:cs typeface="Times New Roman" panose="02020603050405020304" pitchFamily="18" charset="0"/>
               </a:rPr>
-              <a:t>新的合约的研究</a:t>
-            </a:r>
-            <a:r>
-              <a:rPr lang="zh-CN" altLang="en-US" sz="2200" b="1" dirty="0">
-                <a:solidFill>
-                  <a:schemeClr val="tx1"/>
-                </a:solidFill>
-                <a:latin typeface="+mn-ea"/>
-                <a:cs typeface="Times New Roman" panose="02020603050405020304" pitchFamily="18" charset="0"/>
-              </a:rPr>
-              <a:t>：</a:t>
-            </a:r>
-            <a:r>
-              <a:rPr lang="zh-CN" altLang="en-US" sz="2200" dirty="0">
-                <a:solidFill>
-                  <a:schemeClr val="tx1"/>
-                </a:solidFill>
-                <a:latin typeface="+mn-ea"/>
-                <a:cs typeface="Times New Roman" panose="02020603050405020304" pitchFamily="18" charset="0"/>
-              </a:rPr>
-              <a:t>该研究希望是基于现有拓扑进行，需要设计满足系统需求的合约</a:t>
-            </a:r>
-            <a:endParaRPr lang="en-US" altLang="zh-CN" sz="2200" dirty="0">
+              <a:t>将相同内容和相同交易数量的时间作为构建时间，比较是否进行跨链操作所需要的时间成本。</a:t>
+            </a:r>
+            <a:endParaRPr lang="en-US" altLang="zh-CN" sz="1800" kern="0" dirty="0">
               <a:solidFill>
-                <a:schemeClr val="tx1"/>
+                <a:srgbClr val="000000"/>
               </a:solidFill>
+              <a:effectLst/>
               <a:latin typeface="+mn-ea"/>
               <a:cs typeface="Times New Roman" panose="02020603050405020304" pitchFamily="18" charset="0"/>
             </a:endParaRPr>
@@ -7264,16 +7253,27 @@
               </a:lnSpc>
             </a:pPr>
             <a:r>
-              <a:rPr lang="zh-CN" altLang="en-US" sz="2200" dirty="0">
-                <a:solidFill>
-                  <a:schemeClr val="tx1"/>
-                </a:solidFill>
+              <a:rPr lang="en-US" altLang="zh-CN" sz="1800" kern="0" dirty="0">
+                <a:solidFill>
+                  <a:srgbClr val="000000"/>
+                </a:solidFill>
+                <a:effectLst/>
+                <a:latin typeface="+mn-ea"/>
+              </a:rPr>
+              <a:t>(2)</a:t>
+            </a:r>
+            <a:r>
+              <a:rPr lang="zh-CN" altLang="zh-CN" sz="1800" kern="0" dirty="0">
+                <a:solidFill>
+                  <a:srgbClr val="000000"/>
+                </a:solidFill>
+                <a:effectLst/>
                 <a:latin typeface="+mn-ea"/>
                 <a:cs typeface="Times New Roman" panose="02020603050405020304" pitchFamily="18" charset="0"/>
               </a:rPr>
-              <a:t>需要确保链之间信息独立安全，交互快捷</a:t>
-            </a:r>
-            <a:endParaRPr lang="en-US" altLang="zh-CN" sz="2200" dirty="0">
+              <a:t>取写入区块链的内容相同、交易量相同的链上数据和本地数据量，比较是否进行跨链操作所需的空间成本。</a:t>
+            </a:r>
+            <a:endParaRPr lang="en-US" altLang="zh-CN" sz="2400" b="1" dirty="0">
               <a:solidFill>
                 <a:schemeClr val="tx1"/>
               </a:solidFill>
@@ -7308,6 +7308,168 @@
           <a:p>
             <a:r>
               <a:rPr kumimoji="1" lang="zh-CN" altLang="en-US" dirty="0"/>
+              <a:t>工作内容</a:t>
+            </a:r>
+            <a:endParaRPr lang="zh-CN" altLang="en-US" dirty="0"/>
+          </a:p>
+        </p:txBody>
+      </p:sp>
+    </p:spTree>
+    <p:extLst>
+      <p:ext uri="{BB962C8B-B14F-4D97-AF65-F5344CB8AC3E}">
+        <p14:creationId xmlns:p14="http://schemas.microsoft.com/office/powerpoint/2010/main" val="1619854124"/>
+      </p:ext>
+    </p:extLst>
+  </p:cSld>
+  <p:clrMapOvr>
+    <a:masterClrMapping/>
+  </p:clrMapOvr>
+</p:sld>
+</file>
+
+<file path=ppt/slides/slide12.xml><?xml version="1.0" encoding="utf-8"?>
+<p:sld xmlns:a="http://schemas.openxmlformats.org/drawingml/2006/main" xmlns:r="http://schemas.openxmlformats.org/officeDocument/2006/relationships" xmlns:p="http://schemas.openxmlformats.org/presentationml/2006/main">
+  <p:cSld>
+    <p:spTree>
+      <p:nvGrpSpPr>
+        <p:cNvPr id="1" name=""/>
+        <p:cNvGrpSpPr/>
+        <p:nvPr/>
+      </p:nvGrpSpPr>
+      <p:grpSpPr>
+        <a:xfrm>
+          <a:off x="0" y="0"/>
+          <a:ext cx="0" cy="0"/>
+          <a:chOff x="0" y="0"/>
+          <a:chExt cx="0" cy="0"/>
+        </a:xfrm>
+      </p:grpSpPr>
+      <p:sp>
+        <p:nvSpPr>
+          <p:cNvPr id="5" name="内容占位符 4">
+            <a:extLst>
+              <a:ext uri="{FF2B5EF4-FFF2-40B4-BE49-F238E27FC236}">
+                <a16:creationId xmlns:a16="http://schemas.microsoft.com/office/drawing/2014/main" id="{DD553D6F-BC1A-435F-9D69-C092A92466AA}"/>
+              </a:ext>
+            </a:extLst>
+          </p:cNvPr>
+          <p:cNvSpPr>
+            <a:spLocks noGrp="1"/>
+          </p:cNvSpPr>
+          <p:nvPr>
+            <p:ph idx="1"/>
+          </p:nvPr>
+        </p:nvSpPr>
+        <p:spPr>
+          <a:xfrm>
+            <a:off x="835307" y="1608142"/>
+            <a:ext cx="7602112" cy="4766934"/>
+          </a:xfrm>
+        </p:spPr>
+        <p:txBody>
+          <a:bodyPr>
+            <a:normAutofit/>
+          </a:bodyPr>
+          <a:lstStyle/>
+          <a:p>
+            <a:pPr>
+              <a:lnSpc>
+                <a:spcPct val="150000"/>
+              </a:lnSpc>
+            </a:pPr>
+            <a:r>
+              <a:rPr lang="zh-CN" altLang="en-US" sz="2200" dirty="0">
+                <a:solidFill>
+                  <a:schemeClr val="tx1"/>
+                </a:solidFill>
+                <a:latin typeface="+mn-ea"/>
+                <a:cs typeface="Times New Roman" panose="02020603050405020304" pitchFamily="18" charset="0"/>
+              </a:rPr>
+              <a:t>本系统相较于传统区块链采用的是树状区跨链的方法，拓扑结构较为复杂，在复刻时需要维护更多，对确保跨链交易的原子性有更高的要求。</a:t>
+            </a:r>
+            <a:endParaRPr lang="en-US" altLang="zh-CN" sz="2200" dirty="0">
+              <a:solidFill>
+                <a:schemeClr val="tx1"/>
+              </a:solidFill>
+              <a:latin typeface="+mn-ea"/>
+              <a:cs typeface="Times New Roman" panose="02020603050405020304" pitchFamily="18" charset="0"/>
+            </a:endParaRPr>
+          </a:p>
+          <a:p>
+            <a:pPr>
+              <a:lnSpc>
+                <a:spcPct val="150000"/>
+              </a:lnSpc>
+            </a:pPr>
+            <a:r>
+              <a:rPr lang="zh-CN" altLang="en-US" sz="2200" dirty="0">
+                <a:solidFill>
+                  <a:schemeClr val="tx1"/>
+                </a:solidFill>
+                <a:latin typeface="+mn-ea"/>
+                <a:cs typeface="Times New Roman" panose="02020603050405020304" pitchFamily="18" charset="0"/>
+              </a:rPr>
+              <a:t>需要确保链之间信息独立安全的合约选择</a:t>
+            </a:r>
+            <a:endParaRPr lang="en-US" altLang="zh-CN" sz="2200" dirty="0">
+              <a:solidFill>
+                <a:schemeClr val="tx1"/>
+              </a:solidFill>
+              <a:latin typeface="+mn-ea"/>
+              <a:cs typeface="Times New Roman" panose="02020603050405020304" pitchFamily="18" charset="0"/>
+            </a:endParaRPr>
+          </a:p>
+          <a:p>
+            <a:pPr>
+              <a:lnSpc>
+                <a:spcPct val="150000"/>
+              </a:lnSpc>
+            </a:pPr>
+            <a:r>
+              <a:rPr lang="zh-CN" altLang="en-US" sz="2200" dirty="0">
+                <a:solidFill>
+                  <a:schemeClr val="tx1"/>
+                </a:solidFill>
+                <a:latin typeface="+mn-ea"/>
+                <a:cs typeface="Times New Roman" panose="02020603050405020304" pitchFamily="18" charset="0"/>
+              </a:rPr>
+              <a:t>探索树状区块链跨链操作的性能效果</a:t>
+            </a:r>
+            <a:endParaRPr lang="en-US" altLang="zh-CN" sz="2200" dirty="0">
+              <a:solidFill>
+                <a:schemeClr val="tx1"/>
+              </a:solidFill>
+              <a:latin typeface="+mn-ea"/>
+              <a:cs typeface="Times New Roman" panose="02020603050405020304" pitchFamily="18" charset="0"/>
+            </a:endParaRPr>
+          </a:p>
+        </p:txBody>
+      </p:sp>
+      <p:sp>
+        <p:nvSpPr>
+          <p:cNvPr id="4" name="标题 3">
+            <a:extLst>
+              <a:ext uri="{FF2B5EF4-FFF2-40B4-BE49-F238E27FC236}">
+                <a16:creationId xmlns:a16="http://schemas.microsoft.com/office/drawing/2014/main" id="{CB335FAB-FA8F-41FD-B41F-E4213D79D779}"/>
+              </a:ext>
+            </a:extLst>
+          </p:cNvPr>
+          <p:cNvSpPr>
+            <a:spLocks noGrp="1"/>
+          </p:cNvSpPr>
+          <p:nvPr>
+            <p:ph type="title"/>
+          </p:nvPr>
+        </p:nvSpPr>
+        <p:spPr/>
+        <p:txBody>
+          <a:bodyPr>
+            <a:normAutofit/>
+          </a:bodyPr>
+          <a:lstStyle/>
+          <a:p>
+            <a:r>
+              <a:rPr kumimoji="1" lang="zh-CN" altLang="en-US" dirty="0"/>
               <a:t>重点难点</a:t>
             </a:r>
             <a:endParaRPr lang="zh-CN" altLang="en-US" dirty="0"/>
@@ -7327,7 +7489,7 @@
 </p:sld>
 </file>
 
-<file path=ppt/slides/slide12.xml><?xml version="1.0" encoding="utf-8"?>
+<file path=ppt/slides/slide13.xml><?xml version="1.0" encoding="utf-8"?>
 <p:sld xmlns:a="http://schemas.openxmlformats.org/drawingml/2006/main" xmlns:r="http://schemas.openxmlformats.org/officeDocument/2006/relationships" xmlns:p="http://schemas.openxmlformats.org/presentationml/2006/main">
   <p:cSld>
     <p:spTree>
@@ -7413,7 +7575,7 @@
 </p:sld>
 </file>
 
-<file path=ppt/slides/slide13.xml><?xml version="1.0" encoding="utf-8"?>
+<file path=ppt/slides/slide14.xml><?xml version="1.0" encoding="utf-8"?>
 <p:sld xmlns:a="http://schemas.openxmlformats.org/drawingml/2006/main" xmlns:r="http://schemas.openxmlformats.org/officeDocument/2006/relationships" xmlns:p="http://schemas.openxmlformats.org/presentationml/2006/main">
   <p:cSld>
     <p:spTree>
@@ -7525,14 +7687,14 @@
           <p:nvPr>
             <p:extLst>
               <p:ext uri="{D42A27DB-BD31-4B8C-83A1-F6EECF244321}">
-                <p14:modId xmlns:p14="http://schemas.microsoft.com/office/powerpoint/2010/main" val="3235049808"/>
+                <p14:modId xmlns:p14="http://schemas.microsoft.com/office/powerpoint/2010/main" val="3765495000"/>
               </p:ext>
             </p:extLst>
           </p:nvPr>
         </p:nvGraphicFramePr>
         <p:xfrm>
-          <a:off x="833376" y="1852551"/>
-          <a:ext cx="10834130" cy="4284846"/>
+          <a:off x="833377" y="1608624"/>
+          <a:ext cx="10834130" cy="4563444"/>
         </p:xfrm>
         <a:graphic>
           <a:graphicData uri="http://schemas.openxmlformats.org/drawingml/2006/table">
@@ -7647,7 +7809,7 @@
                     <a:p>
                       <a:r>
                         <a:rPr lang="zh-CN" altLang="en-US" dirty="0"/>
-                        <a:t>继续框架的学习与研究，同时研究传统区块链的跨链技术的实现</a:t>
+                        <a:t>继续框架的学习与研究，学习前辈的跨链实现，编写文档；同时研究传统区块链的跨链技术的实现</a:t>
                       </a:r>
                     </a:p>
                   </a:txBody>
@@ -7732,7 +7894,7 @@
                     <a:p>
                       <a:r>
                         <a:rPr lang="zh-CN" altLang="en-US" dirty="0"/>
-                        <a:t>尝试基于该项目设定相应协议以提高交流速率</a:t>
+                        <a:t>进行对比实验测试，研究哪项指标会影响到其性能同时测试指标参数对性能的影响情况，尝试基于该项目设定相应协议以提高交流速率</a:t>
                       </a:r>
                     </a:p>
                   </a:txBody>
@@ -7804,7 +7966,7 @@
                             <a:schemeClr val="tx1"/>
                           </a:solidFill>
                         </a:rPr>
-                        <a:t>性能测试及优化，有可能的话对安全性进行维护的探索；进行总结并开始准备论文的编写</a:t>
+                        <a:t>针对性能测试进行优化，有可能的话对安全性进行维护的探索；进行总结并开始准备论文的编写</a:t>
                       </a:r>
                     </a:p>
                   </a:txBody>
@@ -7915,7 +8077,7 @@
 </p:sld>
 </file>
 
-<file path=ppt/slides/slide14.xml><?xml version="1.0" encoding="utf-8"?>
+<file path=ppt/slides/slide15.xml><?xml version="1.0" encoding="utf-8"?>
 <p:sld xmlns:a="http://schemas.openxmlformats.org/drawingml/2006/main" xmlns:r="http://schemas.openxmlformats.org/officeDocument/2006/relationships" xmlns:p="http://schemas.openxmlformats.org/presentationml/2006/main">
   <p:cSld>
     <p:spTree>
@@ -7998,7 +8160,7 @@
             </a:r>
             <a:r>
               <a:rPr lang="zh-CN" altLang="en-US" dirty="0"/>
-              <a:t>　　　导　师：向勇　　　</a:t>
+              <a:t>　　　导师：向勇　　　</a:t>
             </a:r>
             <a:endParaRPr kumimoji="1" lang="zh-CN" altLang="en-US" dirty="0"/>
           </a:p>
@@ -8282,7 +8444,7 @@
         <p:spPr>
           <a:xfrm>
             <a:off x="835306" y="1608624"/>
-            <a:ext cx="10859986" cy="4239943"/>
+            <a:ext cx="10859986" cy="3731855"/>
           </a:xfrm>
           <a:prstGeom prst="rect">
             <a:avLst/>
@@ -8344,7 +8506,7 @@
                 <a:latin typeface="+mn-ea"/>
                 <a:sym typeface="+mn-ea"/>
               </a:rPr>
-              <a:t>去中心化、开放性、独立性、安全性、匿名性等特点保证了该技术的”诚实“与“透明”。由于该技术数据存储与流动不依赖额外第三方，去除了中心管制，这为打破数据垄断提供了必要的技术基础。我们可以利用区块链技术建立可信任、去中心化的数据库，创造共享式经济。</a:t>
+              <a:t>去中心化、开放性、独立性、安全性、匿名性等特点保证了该技术的“诚实”与“透明”。由于该技术数据存储与流动不依赖额外第三方，去除了中心管制，这为打破数据垄断提供了必要的技术基础。我们可以利用区块链技术建立可信任、去中心化的数据库，创造共享式经济。</a:t>
             </a:r>
             <a:endParaRPr lang="en-US" altLang="zh-CN" sz="2200" noProof="0" dirty="0">
               <a:ln>
@@ -8426,7 +8588,7 @@
                 <a:latin typeface="+mn-ea"/>
                 <a:sym typeface="+mn-ea"/>
               </a:rPr>
-              <a:t>中应用区块链技术能够消除中介，允许乘客与司机的直接交流与交易，同时由于区块链平台数据的透明性，能够为双方提供更为可信的验证，降低了信任成本。在网络出租车服务中使用区块链有助于参与的所有利益相关方关系更加紧密，这将为安全高效的打车服务铺平道路。</a:t>
+              <a:t>中应用区块链技术能够消除中介，允许乘客与司机的直接交流与交易，同时由于区块链平台数据的透明性，能够为双方提供更为可信的验证，降低了信任成本。在网络出租车服务中使用区块链有助于参与的所有利益相关方关系更加紧密。</a:t>
             </a:r>
             <a:endParaRPr kumimoji="0" lang="zh-CN" altLang="en-US" sz="2200" b="0" i="0" u="none" strike="noStrike" kern="1200" cap="none" spc="0" normalizeH="0" baseline="0" noProof="0" dirty="0">
               <a:ln>
@@ -8827,7 +8989,7 @@
                 <a:latin typeface="+mn-ea"/>
                 <a:sym typeface="+mn-ea"/>
               </a:rPr>
-              <a:t>而做，该系统初步实现了单链中的地理位置区块链功能：以</a:t>
+              <a:t>而做，该系统初步实现了链中的地理位置区块链功能：以</a:t>
             </a:r>
             <a:r>
               <a:rPr lang="en-US" altLang="zh-CN" sz="2200" noProof="0" dirty="0">
@@ -8891,7 +9053,7 @@
                 <a:latin typeface="+mn-ea"/>
                 <a:sym typeface="+mn-ea"/>
               </a:rPr>
-              <a:t>的路径规划算法、车程匹配算法；实现了记录地理位置，账户信息，用户收据等信息的树状区块链，同时实现了树状区块链的查询及更新，维护了数据的安全性</a:t>
+              <a:t>的路径规划算法、车程匹配算法；实现了记录地理位置，账户信息，用户收据等信息的树状区块链，同时实现了树状区块链的查询及更新等操作</a:t>
             </a:r>
             <a:endParaRPr lang="en-US" altLang="zh-CN" sz="2200" noProof="0" dirty="0">
               <a:ln>
@@ -8935,7 +9097,7 @@
                 <a:latin typeface="+mn-ea"/>
                 <a:sym typeface="+mn-ea"/>
               </a:rPr>
-              <a:t>项目的</a:t>
+              <a:t>项目的进一步</a:t>
             </a:r>
             <a:r>
               <a:rPr kumimoji="0" lang="zh-CN" altLang="en-US" sz="2200" b="1" i="0" u="none" strike="noStrike" kern="1200" cap="none" spc="0" normalizeH="0" baseline="0" dirty="0">
@@ -8945,7 +9107,7 @@
                 <a:latin typeface="+mn-ea"/>
                 <a:sym typeface="+mn-ea"/>
               </a:rPr>
-              <a:t>不足</a:t>
+              <a:t>改进</a:t>
             </a:r>
             <a:r>
               <a:rPr kumimoji="0" lang="zh-CN" altLang="en-US" sz="2200" b="0" i="0" u="none" strike="noStrike" kern="1200" cap="none" spc="0" normalizeH="0" baseline="0" dirty="0">
@@ -8955,7 +9117,27 @@
                 <a:latin typeface="+mn-ea"/>
                 <a:sym typeface="+mn-ea"/>
               </a:rPr>
-              <a:t>之处，项目只是维护了多节点树状区块链的部署，区域共识机制仍有待改善，此外，项目并未成功区域区块链外的跨链操作，这对于一个出租车调度系统而言是重要的</a:t>
+              <a:t>，项目的区域共识机制仍有待改善，此外，本人的研究工作是基于树状区块链的</a:t>
+            </a:r>
+            <a:r>
+              <a:rPr kumimoji="0" lang="zh-CN" altLang="en-US" sz="2200" b="1" i="0" u="none" strike="noStrike" kern="1200" cap="none" spc="0" normalizeH="0" baseline="0" dirty="0">
+                <a:solidFill>
+                  <a:srgbClr val="000000"/>
+                </a:solidFill>
+                <a:latin typeface="+mn-ea"/>
+                <a:sym typeface="+mn-ea"/>
+              </a:rPr>
+              <a:t>跨链操作</a:t>
+            </a:r>
+            <a:r>
+              <a:rPr kumimoji="0" lang="zh-CN" altLang="en-US" sz="2200" b="0" i="0" u="none" strike="noStrike" kern="1200" cap="none" spc="0" normalizeH="0" baseline="0" dirty="0">
+                <a:solidFill>
+                  <a:srgbClr val="000000"/>
+                </a:solidFill>
+                <a:latin typeface="+mn-ea"/>
+                <a:sym typeface="+mn-ea"/>
+              </a:rPr>
+              <a:t>的设计研究</a:t>
             </a:r>
             <a:endParaRPr kumimoji="0" lang="zh-CN" altLang="en-US" sz="2000" b="0" i="0" u="none" strike="noStrike" kern="1200" cap="none" spc="0" normalizeH="0" baseline="0" noProof="0" dirty="0">
               <a:ln>
@@ -9106,8 +9288,8 @@
         </p:nvSpPr>
         <p:spPr>
           <a:xfrm>
-            <a:off x="835306" y="1608624"/>
-            <a:ext cx="10521387" cy="4714986"/>
+            <a:off x="835307" y="1608624"/>
+            <a:ext cx="7156788" cy="3141506"/>
           </a:xfrm>
         </p:spPr>
         <p:txBody>
@@ -9120,139 +9302,83 @@
               <a:rPr lang="zh-CN" altLang="en-US" sz="2400" b="1" dirty="0">
                 <a:latin typeface="+mn-ea"/>
               </a:rPr>
-              <a:t>中继技术：</a:t>
+              <a:t>系统模型</a:t>
             </a:r>
             <a:r>
               <a:rPr lang="en-US" altLang="zh-CN" sz="2400" b="1" dirty="0">
                 <a:latin typeface="+mn-ea"/>
               </a:rPr>
-              <a:t>Polkadot</a:t>
+              <a:t>-</a:t>
             </a:r>
             <a:r>
               <a:rPr lang="zh-CN" altLang="en-US" sz="2400" b="1" dirty="0">
                 <a:latin typeface="+mn-ea"/>
               </a:rPr>
-              <a:t>和</a:t>
-            </a:r>
+              <a:t>车辆乘客终端与区块链</a:t>
+            </a:r>
+            <a:endParaRPr lang="en-US" altLang="zh-CN" sz="2400" b="1" dirty="0">
+              <a:latin typeface="+mn-ea"/>
+            </a:endParaRPr>
+          </a:p>
+          <a:p>
+            <a:r>
+              <a:rPr lang="zh-CN" altLang="en-US" sz="2400" b="1" dirty="0">
+                <a:latin typeface="+mn-ea"/>
+              </a:rPr>
+              <a:t>地图存储</a:t>
+            </a:r>
+            <a:endParaRPr lang="en-US" altLang="zh-CN" sz="2400" b="1" dirty="0">
+              <a:latin typeface="+mn-ea"/>
+            </a:endParaRPr>
+          </a:p>
+          <a:p>
+            <a:r>
+              <a:rPr lang="zh-CN" altLang="en-US" sz="2400" b="1" dirty="0">
+                <a:latin typeface="+mn-ea"/>
+              </a:rPr>
+              <a:t>地理树状区块链结构</a:t>
+            </a:r>
+            <a:endParaRPr lang="en-US" altLang="zh-CN" sz="2400" b="1" dirty="0">
+              <a:latin typeface="+mn-ea"/>
+            </a:endParaRPr>
+          </a:p>
+          <a:p>
+            <a:r>
+              <a:rPr lang="zh-CN" altLang="en-US" sz="2400" b="1" dirty="0">
+                <a:latin typeface="+mn-ea"/>
+              </a:rPr>
+              <a:t>区域搜索区域调度算法</a:t>
+            </a:r>
+            <a:endParaRPr lang="en-US" altLang="zh-CN" sz="2400" b="1" dirty="0">
+              <a:latin typeface="+mn-ea"/>
+            </a:endParaRPr>
+          </a:p>
+          <a:p>
+            <a:r>
+              <a:rPr lang="zh-CN" altLang="en-US" sz="2400" b="1" dirty="0">
+                <a:latin typeface="+mn-ea"/>
+              </a:rPr>
+              <a:t>快速查询算法</a:t>
+            </a:r>
+            <a:endParaRPr lang="en-US" altLang="zh-CN" sz="2400" b="1" dirty="0">
+              <a:latin typeface="+mn-ea"/>
+            </a:endParaRPr>
+          </a:p>
+          <a:p>
             <a:r>
               <a:rPr lang="en-US" altLang="zh-CN" sz="2400" b="1" dirty="0">
                 <a:latin typeface="+mn-ea"/>
               </a:rPr>
-              <a:t>COSMOS</a:t>
-            </a:r>
-          </a:p>
-          <a:p>
-            <a:pPr marL="0" indent="0">
-              <a:buNone/>
-            </a:pPr>
-            <a:r>
-              <a:rPr lang="en-US" altLang="zh-CN" sz="2200" dirty="0">
-                <a:latin typeface="+mn-ea"/>
-              </a:rPr>
-              <a:t>	</a:t>
-            </a:r>
-            <a:r>
-              <a:rPr lang="en-US" altLang="zh-CN" dirty="0">
-                <a:latin typeface="+mn-ea"/>
-              </a:rPr>
-              <a:t>Polkadot</a:t>
-            </a:r>
-            <a:r>
-              <a:rPr lang="zh-CN" altLang="en-US" dirty="0">
-                <a:latin typeface="+mn-ea"/>
-              </a:rPr>
-              <a:t>是由原以太坊主要核心开发者推出的公有链。</a:t>
-            </a:r>
-            <a:r>
-              <a:rPr lang="en-US" altLang="zh-CN" dirty="0">
-                <a:latin typeface="+mn-ea"/>
-              </a:rPr>
-              <a:t>Polkadot</a:t>
-            </a:r>
-            <a:r>
-              <a:rPr lang="zh-CN" altLang="en-US" dirty="0">
-                <a:latin typeface="+mn-ea"/>
-              </a:rPr>
-              <a:t>计划将私有链</a:t>
-            </a:r>
-            <a:r>
-              <a:rPr lang="en-US" altLang="zh-CN" dirty="0">
-                <a:latin typeface="+mn-ea"/>
-              </a:rPr>
-              <a:t>/</a:t>
-            </a:r>
-            <a:r>
-              <a:rPr lang="zh-CN" altLang="en-US" dirty="0">
-                <a:latin typeface="+mn-ea"/>
-              </a:rPr>
-              <a:t>联盟链融入到公有</a:t>
-            </a:r>
-            <a:r>
-              <a:rPr lang="en-US" altLang="zh-CN" dirty="0">
-                <a:latin typeface="+mn-ea"/>
-              </a:rPr>
-              <a:t>	</a:t>
-            </a:r>
-            <a:r>
-              <a:rPr lang="zh-CN" altLang="en-US" dirty="0">
-                <a:latin typeface="+mn-ea"/>
-              </a:rPr>
-              <a:t>链的共识网络中，同时又能保有私有链</a:t>
-            </a:r>
-            <a:r>
-              <a:rPr lang="en-US" altLang="zh-CN" dirty="0">
-                <a:latin typeface="+mn-ea"/>
-              </a:rPr>
-              <a:t>/</a:t>
-            </a:r>
-            <a:r>
-              <a:rPr lang="zh-CN" altLang="en-US" dirty="0">
-                <a:latin typeface="+mn-ea"/>
-              </a:rPr>
-              <a:t>联盟链的原有的数据隐私和许可使用的特性。它可以将多</a:t>
-            </a:r>
-            <a:r>
-              <a:rPr lang="en-US" altLang="zh-CN" dirty="0">
-                <a:latin typeface="+mn-ea"/>
-              </a:rPr>
-              <a:t>	</a:t>
-            </a:r>
-            <a:r>
-              <a:rPr lang="zh-CN" altLang="en-US" dirty="0">
-                <a:latin typeface="+mn-ea"/>
-              </a:rPr>
-              <a:t>个区块链互相连接。</a:t>
-            </a:r>
-          </a:p>
-          <a:p>
-            <a:pPr marL="0" indent="0">
-              <a:buNone/>
-            </a:pPr>
-            <a:r>
-              <a:rPr lang="en-US" altLang="zh-CN" dirty="0">
-                <a:latin typeface="+mn-ea"/>
-              </a:rPr>
-              <a:t>	Polkadot</a:t>
-            </a:r>
-            <a:r>
-              <a:rPr lang="zh-CN" altLang="en-US" dirty="0">
-                <a:latin typeface="+mn-ea"/>
-              </a:rPr>
-              <a:t>还是以以太坊为主，实现其与私链的互连，并以其他公有链网络为升级目标，最终让以</a:t>
-            </a:r>
-            <a:r>
-              <a:rPr lang="en-US" altLang="zh-CN" dirty="0">
-                <a:latin typeface="+mn-ea"/>
-              </a:rPr>
-              <a:t>	</a:t>
-            </a:r>
-            <a:r>
-              <a:rPr lang="zh-CN" altLang="en-US" dirty="0">
-                <a:latin typeface="+mn-ea"/>
-              </a:rPr>
-              <a:t>太坊直接与任何链进行通讯。</a:t>
-            </a:r>
-            <a:endParaRPr lang="en-US" altLang="zh-CN" dirty="0">
+              <a:t>···</a:t>
+            </a:r>
+          </a:p>
+          <a:p>
+            <a:endParaRPr lang="en-US" altLang="zh-CN" sz="2400" b="1" dirty="0">
+              <a:latin typeface="+mn-ea"/>
+            </a:endParaRPr>
+          </a:p>
+          <a:p>
+            <a:endParaRPr lang="en-US" altLang="zh-CN" sz="2400" b="1" dirty="0">
               <a:latin typeface="+mn-ea"/>
             </a:endParaRPr>
           </a:p>
@@ -9263,103 +9389,6 @@
             <a:endParaRPr lang="en-US" altLang="zh-CN" sz="2200" dirty="0">
               <a:latin typeface="+mn-ea"/>
             </a:endParaRPr>
-          </a:p>
-          <a:p>
-            <a:pPr marL="0" indent="0">
-              <a:buNone/>
-            </a:pPr>
-            <a:r>
-              <a:rPr lang="en-US" altLang="zh-CN" sz="2200" dirty="0">
-                <a:latin typeface="+mn-ea"/>
-              </a:rPr>
-              <a:t>	C</a:t>
-            </a:r>
-            <a:r>
-              <a:rPr lang="en-US" altLang="zh-CN" dirty="0">
-                <a:latin typeface="+mn-ea"/>
-              </a:rPr>
-              <a:t>osmos</a:t>
-            </a:r>
-            <a:r>
-              <a:rPr lang="zh-CN" altLang="en-US" dirty="0">
-                <a:latin typeface="+mn-ea"/>
-              </a:rPr>
-              <a:t>是</a:t>
-            </a:r>
-            <a:r>
-              <a:rPr lang="en-US" altLang="zh-CN" dirty="0">
-                <a:latin typeface="+mn-ea"/>
-              </a:rPr>
-              <a:t>tendermint</a:t>
-            </a:r>
-            <a:r>
-              <a:rPr lang="zh-CN" altLang="en-US" dirty="0">
-                <a:latin typeface="+mn-ea"/>
-              </a:rPr>
-              <a:t>团队推出的一个支持跨链交互的异构网络。</a:t>
-            </a:r>
-            <a:r>
-              <a:rPr lang="en-US" altLang="zh-CN" dirty="0">
-                <a:latin typeface="+mn-ea"/>
-              </a:rPr>
-              <a:t>Cosmos</a:t>
-            </a:r>
-            <a:r>
-              <a:rPr lang="zh-CN" altLang="en-US" dirty="0">
-                <a:latin typeface="+mn-ea"/>
-              </a:rPr>
-              <a:t>采用的</a:t>
-            </a:r>
-            <a:r>
-              <a:rPr lang="en-US" altLang="zh-CN" dirty="0">
-                <a:latin typeface="+mn-ea"/>
-              </a:rPr>
-              <a:t>Tendermint</a:t>
-            </a:r>
-            <a:r>
-              <a:rPr lang="zh-CN" altLang="en-US" dirty="0">
-                <a:latin typeface="+mn-ea"/>
-              </a:rPr>
-              <a:t>共</a:t>
-            </a:r>
-            <a:r>
-              <a:rPr lang="en-US" altLang="zh-CN" dirty="0">
-                <a:latin typeface="+mn-ea"/>
-              </a:rPr>
-              <a:t>	</a:t>
-            </a:r>
-            <a:r>
-              <a:rPr lang="zh-CN" altLang="en-US" dirty="0">
-                <a:latin typeface="+mn-ea"/>
-              </a:rPr>
-              <a:t>识算法，是一个类似实用拜占庭容错共识引擎，具有高性能、一致性等特点，而且在其严格的分叉</a:t>
-            </a:r>
-            <a:r>
-              <a:rPr lang="en-US" altLang="zh-CN" dirty="0">
-                <a:latin typeface="+mn-ea"/>
-              </a:rPr>
-              <a:t>	</a:t>
-            </a:r>
-            <a:r>
-              <a:rPr lang="zh-CN" altLang="en-US" dirty="0">
-                <a:latin typeface="+mn-ea"/>
-              </a:rPr>
-              <a:t>责任制保证下，能够防止怀有恶意的参与者做出不当操作。</a:t>
-            </a:r>
-            <a:endParaRPr lang="en-US" altLang="zh-CN" dirty="0">
-              <a:latin typeface="+mn-ea"/>
-            </a:endParaRPr>
-          </a:p>
-          <a:p>
-            <a:pPr marL="0" indent="0">
-              <a:buNone/>
-            </a:pPr>
-            <a:r>
-              <a:rPr lang="en-US" altLang="zh-CN" sz="2200" dirty="0">
-                <a:latin typeface="+mn-ea"/>
-              </a:rPr>
-              <a:t>	</a:t>
-            </a:r>
           </a:p>
         </p:txBody>
       </p:sp>
@@ -9402,7 +9431,7 @@
               <a:rPr lang="zh-CN" altLang="en-US" dirty="0">
                 <a:latin typeface="+mj-ea"/>
               </a:rPr>
-              <a:t>传统区块链的一些跨链技术</a:t>
+              <a:t>现有仓库</a:t>
             </a:r>
           </a:p>
         </p:txBody>
@@ -9410,7 +9439,7 @@
     </p:spTree>
     <p:extLst>
       <p:ext uri="{BB962C8B-B14F-4D97-AF65-F5344CB8AC3E}">
-        <p14:creationId xmlns:p14="http://schemas.microsoft.com/office/powerpoint/2010/main" val="1110621705"/>
+        <p14:creationId xmlns:p14="http://schemas.microsoft.com/office/powerpoint/2010/main" val="2860014110"/>
       </p:ext>
     </p:extLst>
   </p:cSld>
@@ -9456,14 +9485,269 @@
         <p:spPr>
           <a:xfrm>
             <a:off x="835306" y="1608624"/>
-            <a:ext cx="10521387" cy="4329038"/>
+            <a:ext cx="10521387" cy="4714986"/>
           </a:xfrm>
         </p:spPr>
         <p:txBody>
           <a:bodyPr>
-            <a:normAutofit/>
+            <a:normAutofit fontScale="85000" lnSpcReduction="10000"/>
           </a:bodyPr>
           <a:lstStyle/>
+          <a:p>
+            <a:r>
+              <a:rPr lang="zh-CN" altLang="en-US" sz="2400" b="1" dirty="0">
+                <a:latin typeface="+mn-ea"/>
+              </a:rPr>
+              <a:t>中继技术：</a:t>
+            </a:r>
+            <a:r>
+              <a:rPr lang="en-US" altLang="zh-CN" sz="2400" b="1" dirty="0">
+                <a:latin typeface="+mn-ea"/>
+              </a:rPr>
+              <a:t>Polkadot</a:t>
+            </a:r>
+            <a:r>
+              <a:rPr lang="zh-CN" altLang="en-US" sz="2400" b="1" dirty="0">
+                <a:latin typeface="+mn-ea"/>
+              </a:rPr>
+              <a:t>和</a:t>
+            </a:r>
+            <a:r>
+              <a:rPr lang="en-US" altLang="zh-CN" sz="2400" b="1" dirty="0">
+                <a:latin typeface="+mn-ea"/>
+              </a:rPr>
+              <a:t>COSMOS</a:t>
+            </a:r>
+          </a:p>
+          <a:p>
+            <a:pPr marL="0" indent="0">
+              <a:buNone/>
+            </a:pPr>
+            <a:r>
+              <a:rPr lang="en-US" altLang="zh-CN" sz="2200" dirty="0">
+                <a:latin typeface="+mn-ea"/>
+              </a:rPr>
+              <a:t>	</a:t>
+            </a:r>
+            <a:r>
+              <a:rPr lang="en-US" altLang="zh-CN" dirty="0">
+                <a:latin typeface="+mn-ea"/>
+              </a:rPr>
+              <a:t>Polkadot</a:t>
+            </a:r>
+            <a:r>
+              <a:rPr lang="zh-CN" altLang="en-US" dirty="0">
+                <a:latin typeface="+mn-ea"/>
+              </a:rPr>
+              <a:t>是由原以太坊主要核心开发者推出的公有链。</a:t>
+            </a:r>
+            <a:r>
+              <a:rPr lang="en-US" altLang="zh-CN" dirty="0">
+                <a:latin typeface="+mn-ea"/>
+              </a:rPr>
+              <a:t>Polkadot</a:t>
+            </a:r>
+            <a:r>
+              <a:rPr lang="zh-CN" altLang="en-US" dirty="0">
+                <a:latin typeface="+mn-ea"/>
+              </a:rPr>
+              <a:t>计划将私有链</a:t>
+            </a:r>
+            <a:r>
+              <a:rPr lang="en-US" altLang="zh-CN" dirty="0">
+                <a:latin typeface="+mn-ea"/>
+              </a:rPr>
+              <a:t>/</a:t>
+            </a:r>
+            <a:r>
+              <a:rPr lang="zh-CN" altLang="en-US" dirty="0">
+                <a:latin typeface="+mn-ea"/>
+              </a:rPr>
+              <a:t>联盟链融入到公有</a:t>
+            </a:r>
+            <a:r>
+              <a:rPr lang="en-US" altLang="zh-CN" dirty="0">
+                <a:latin typeface="+mn-ea"/>
+              </a:rPr>
+              <a:t>	</a:t>
+            </a:r>
+            <a:r>
+              <a:rPr lang="zh-CN" altLang="en-US" dirty="0">
+                <a:latin typeface="+mn-ea"/>
+              </a:rPr>
+              <a:t>链的共识网络中，</a:t>
+            </a:r>
+            <a:r>
+              <a:rPr lang="en-US" altLang="zh-CN" dirty="0">
+                <a:latin typeface="+mn-ea"/>
+              </a:rPr>
+              <a:t>	</a:t>
+            </a:r>
+            <a:r>
+              <a:rPr lang="zh-CN" altLang="en-US" dirty="0">
+                <a:latin typeface="+mn-ea"/>
+              </a:rPr>
+              <a:t>同时又能保有私有链</a:t>
+            </a:r>
+            <a:r>
+              <a:rPr lang="en-US" altLang="zh-CN" dirty="0">
+                <a:latin typeface="+mn-ea"/>
+              </a:rPr>
+              <a:t>/</a:t>
+            </a:r>
+            <a:r>
+              <a:rPr lang="zh-CN" altLang="en-US" dirty="0">
+                <a:latin typeface="+mn-ea"/>
+              </a:rPr>
+              <a:t>联盟链的原有的数据隐私和许可使用的特性。它可以将多个区块链互相连接。</a:t>
+            </a:r>
+          </a:p>
+          <a:p>
+            <a:pPr marL="0" indent="0">
+              <a:buNone/>
+            </a:pPr>
+            <a:r>
+              <a:rPr lang="en-US" altLang="zh-CN" dirty="0">
+                <a:latin typeface="+mn-ea"/>
+              </a:rPr>
+              <a:t>	Polkadot</a:t>
+            </a:r>
+            <a:r>
+              <a:rPr lang="zh-CN" altLang="en-US" dirty="0">
+                <a:latin typeface="+mn-ea"/>
+              </a:rPr>
+              <a:t>还是以以太坊为主，实现其与私链的互连，并以其他公有链网络为升级目标，最终让以太坊直接与任何链进</a:t>
+            </a:r>
+            <a:r>
+              <a:rPr lang="en-US" altLang="zh-CN" dirty="0">
+                <a:latin typeface="+mn-ea"/>
+              </a:rPr>
+              <a:t>	</a:t>
+            </a:r>
+            <a:r>
+              <a:rPr lang="zh-CN" altLang="en-US" dirty="0">
+                <a:latin typeface="+mn-ea"/>
+              </a:rPr>
+              <a:t>行通讯。</a:t>
+            </a:r>
+            <a:endParaRPr lang="en-US" altLang="zh-CN" dirty="0">
+              <a:latin typeface="+mn-ea"/>
+            </a:endParaRPr>
+          </a:p>
+          <a:p>
+            <a:pPr marL="0" indent="0">
+              <a:buNone/>
+            </a:pPr>
+            <a:endParaRPr lang="en-US" altLang="zh-CN" sz="2200" dirty="0">
+              <a:latin typeface="+mn-ea"/>
+            </a:endParaRPr>
+          </a:p>
+          <a:p>
+            <a:pPr marL="0" indent="0">
+              <a:buNone/>
+            </a:pPr>
+            <a:r>
+              <a:rPr lang="en-US" altLang="zh-CN" sz="2200" dirty="0">
+                <a:latin typeface="+mn-ea"/>
+              </a:rPr>
+              <a:t>	C</a:t>
+            </a:r>
+            <a:r>
+              <a:rPr lang="en-US" altLang="zh-CN" dirty="0">
+                <a:latin typeface="+mn-ea"/>
+              </a:rPr>
+              <a:t>osmos</a:t>
+            </a:r>
+            <a:r>
+              <a:rPr lang="zh-CN" altLang="en-US" dirty="0">
+                <a:latin typeface="+mn-ea"/>
+              </a:rPr>
+              <a:t>是</a:t>
+            </a:r>
+            <a:r>
+              <a:rPr lang="en-US" altLang="zh-CN" dirty="0">
+                <a:latin typeface="+mn-ea"/>
+              </a:rPr>
+              <a:t>tendermint</a:t>
+            </a:r>
+            <a:r>
+              <a:rPr lang="zh-CN" altLang="en-US" dirty="0">
+                <a:latin typeface="+mn-ea"/>
+              </a:rPr>
+              <a:t>团队推出的一个支持跨链交互的异构网络。</a:t>
+            </a:r>
+            <a:r>
+              <a:rPr lang="en-US" altLang="zh-CN" dirty="0">
+                <a:latin typeface="+mn-ea"/>
+              </a:rPr>
+              <a:t>Cosmos</a:t>
+            </a:r>
+            <a:r>
+              <a:rPr lang="zh-CN" altLang="en-US" dirty="0">
+                <a:latin typeface="+mn-ea"/>
+              </a:rPr>
+              <a:t>采用的</a:t>
+            </a:r>
+            <a:r>
+              <a:rPr lang="en-US" altLang="zh-CN" dirty="0">
+                <a:latin typeface="+mn-ea"/>
+              </a:rPr>
+              <a:t>Tendermint</a:t>
+            </a:r>
+            <a:r>
+              <a:rPr lang="zh-CN" altLang="en-US" dirty="0">
+                <a:latin typeface="+mn-ea"/>
+              </a:rPr>
+              <a:t>共</a:t>
+            </a:r>
+            <a:r>
+              <a:rPr lang="en-US" altLang="zh-CN" dirty="0">
+                <a:latin typeface="+mn-ea"/>
+              </a:rPr>
+              <a:t>	</a:t>
+            </a:r>
+            <a:r>
+              <a:rPr lang="zh-CN" altLang="en-US" dirty="0">
+                <a:latin typeface="+mn-ea"/>
+              </a:rPr>
+              <a:t>识算法，是一个类</a:t>
+            </a:r>
+            <a:r>
+              <a:rPr lang="en-US" altLang="zh-CN" dirty="0">
+                <a:latin typeface="+mn-ea"/>
+              </a:rPr>
+              <a:t>	</a:t>
+            </a:r>
+            <a:r>
+              <a:rPr lang="zh-CN" altLang="en-US" dirty="0">
+                <a:latin typeface="+mn-ea"/>
+              </a:rPr>
+              <a:t>似实用拜占庭容错共识引擎，具有高性能、一致性等特点，而且在其严格的分叉责任制保证下，能够防止怀有恶意的</a:t>
+            </a:r>
+            <a:r>
+              <a:rPr lang="en-US" altLang="zh-CN" dirty="0">
+                <a:latin typeface="+mn-ea"/>
+              </a:rPr>
+              <a:t>	</a:t>
+            </a:r>
+            <a:r>
+              <a:rPr lang="zh-CN" altLang="en-US" dirty="0">
+                <a:latin typeface="+mn-ea"/>
+              </a:rPr>
+              <a:t>参与者做出不当操作。</a:t>
+            </a:r>
+            <a:endParaRPr lang="en-US" altLang="zh-CN" dirty="0">
+              <a:latin typeface="+mn-ea"/>
+            </a:endParaRPr>
+          </a:p>
+          <a:p>
+            <a:pPr marL="0" indent="0">
+              <a:buNone/>
+            </a:pPr>
+            <a:endParaRPr lang="en-US" altLang="zh-CN" dirty="0">
+              <a:latin typeface="+mn-ea"/>
+            </a:endParaRPr>
+          </a:p>
           <a:p>
             <a:r>
               <a:rPr lang="zh-CN" altLang="en-US" sz="2400" b="1" dirty="0">
@@ -9589,7 +9873,7 @@
                 <a:latin typeface="+mn-ea"/>
                 <a:cs typeface="+mn-cs"/>
               </a:rPr>
-              <a:t>），是闪电网络中提出的</a:t>
+              <a:t>），是闪电网络中提出的一种新的技术实现形</a:t>
             </a:r>
             <a:r>
               <a:rPr kumimoji="0" lang="en-US" altLang="zh-CN" sz="1800" b="0" i="0" u="none" strike="noStrike" kern="1200" cap="none" spc="0" normalizeH="0" baseline="0" noProof="0" dirty="0">
@@ -9621,39 +9905,7 @@
                 <a:latin typeface="+mn-ea"/>
                 <a:cs typeface="+mn-cs"/>
               </a:rPr>
-              <a:t>一种新的技术实现形式，指在智能合约的基础上，让双方先锁定资产，如果都在规定的时间内输入</a:t>
-            </a:r>
-            <a:r>
-              <a:rPr kumimoji="0" lang="en-US" altLang="zh-CN" sz="1800" b="0" i="0" u="none" strike="noStrike" kern="1200" cap="none" spc="0" normalizeH="0" baseline="0" noProof="0" dirty="0">
-                <a:ln>
-                  <a:noFill/>
-                </a:ln>
-                <a:solidFill>
-                  <a:srgbClr val="3D3D3D"/>
-                </a:solidFill>
-                <a:effectLst/>
-                <a:uLnTx/>
-                <a:uFillTx/>
-                <a:latin typeface="+mn-ea"/>
-                <a:cs typeface="+mn-cs"/>
-              </a:rPr>
-              <a:t>	</a:t>
-            </a:r>
-            <a:r>
-              <a:rPr kumimoji="0" lang="zh-CN" altLang="en-US" sz="1800" b="0" i="0" u="none" strike="noStrike" kern="1200" cap="none" spc="0" normalizeH="0" baseline="0" noProof="0" dirty="0">
-                <a:ln>
-                  <a:noFill/>
-                </a:ln>
-                <a:solidFill>
-                  <a:srgbClr val="3D3D3D"/>
-                </a:solidFill>
-                <a:effectLst/>
-                <a:uLnTx/>
-                <a:uFillTx/>
-                <a:latin typeface="+mn-ea"/>
-                <a:cs typeface="+mn-cs"/>
-              </a:rPr>
-              <a:t>正确哈希值的原值，即可完成交易。</a:t>
+              <a:t>式，指在智能合约的基础上，让双方先锁定资产，如果都在规定的时间内输入正确哈希值的原值，即可完成交易。</a:t>
             </a:r>
             <a:endParaRPr kumimoji="0" lang="en-US" altLang="zh-CN" sz="1800" b="0" i="0" u="none" strike="noStrike" kern="1200" cap="none" spc="0" normalizeH="0" baseline="0" noProof="0" dirty="0">
               <a:ln>
@@ -9670,135 +9922,23 @@
             </a:endParaRPr>
           </a:p>
           <a:p>
-            <a:endParaRPr lang="en-US" altLang="zh-CN" sz="2400" b="1" dirty="0">
-              <a:latin typeface="+mn-ea"/>
-            </a:endParaRPr>
-          </a:p>
-          <a:p>
-            <a:r>
-              <a:rPr lang="zh-CN" altLang="en-US" sz="2400" b="1" dirty="0">
-                <a:latin typeface="+mn-ea"/>
-              </a:rPr>
-              <a:t>分布式私钥控制技术</a:t>
-            </a:r>
-            <a:r>
-              <a:rPr lang="en-US" altLang="zh-CN" sz="2400" b="1" dirty="0">
-                <a:latin typeface="+mn-ea"/>
-              </a:rPr>
-              <a:t>WanChain</a:t>
-            </a:r>
-          </a:p>
-          <a:p>
             <a:pPr marL="0" indent="0">
               <a:buNone/>
             </a:pPr>
-            <a:r>
-              <a:rPr lang="en-US" altLang="zh-CN" sz="1900" dirty="0">
-                <a:latin typeface="+mn-ea"/>
-              </a:rPr>
-              <a:t>	</a:t>
-            </a:r>
-            <a:r>
-              <a:rPr lang="en-US" altLang="zh-CN" dirty="0">
-                <a:latin typeface="+mn-ea"/>
-              </a:rPr>
-              <a:t>WanChain</a:t>
-            </a:r>
-            <a:r>
-              <a:rPr lang="zh-CN" altLang="en-US" dirty="0">
-                <a:latin typeface="+mn-ea"/>
-              </a:rPr>
-              <a:t>万维链中的</a:t>
-            </a:r>
-            <a:r>
-              <a:rPr lang="zh-CN" altLang="en-US" b="0" i="0" dirty="0">
-                <a:solidFill>
-                  <a:srgbClr val="333333"/>
-                </a:solidFill>
-                <a:effectLst/>
-                <a:latin typeface="+mn-ea"/>
-              </a:rPr>
-              <a:t>主流公有链间的跨链操作。万维链通过分布式的方式完成不同区块链账本的</a:t>
-            </a:r>
-            <a:r>
-              <a:rPr lang="en-US" altLang="zh-CN" b="0" i="0" dirty="0">
-                <a:solidFill>
-                  <a:srgbClr val="333333"/>
-                </a:solidFill>
-                <a:effectLst/>
-                <a:latin typeface="+mn-ea"/>
-              </a:rPr>
-              <a:t>	</a:t>
-            </a:r>
-            <a:r>
-              <a:rPr lang="zh-CN" altLang="en-US" b="0" i="0" dirty="0">
-                <a:solidFill>
-                  <a:srgbClr val="333333"/>
-                </a:solidFill>
-                <a:effectLst/>
-                <a:latin typeface="+mn-ea"/>
-              </a:rPr>
-              <a:t>连接及价值交换。它采用通用的跨链协议以及记录跨链交易、链内交易的分布式账本，公有链、私</a:t>
-            </a:r>
-            <a:r>
-              <a:rPr lang="en-US" altLang="zh-CN" b="0" i="0" dirty="0">
-                <a:solidFill>
-                  <a:srgbClr val="333333"/>
-                </a:solidFill>
-                <a:effectLst/>
-                <a:latin typeface="+mn-ea"/>
-              </a:rPr>
-              <a:t>	</a:t>
-            </a:r>
-            <a:r>
-              <a:rPr lang="zh-CN" altLang="en-US" b="0" i="0" dirty="0">
-                <a:solidFill>
-                  <a:srgbClr val="333333"/>
-                </a:solidFill>
-                <a:effectLst/>
-                <a:latin typeface="+mn-ea"/>
-              </a:rPr>
-              <a:t>有链还是联盟链，均能接入万维链，实现不同区块链账本的连接及资产的跨账本转移。</a:t>
-            </a:r>
-            <a:endParaRPr lang="en-US" altLang="zh-CN" b="0" i="0" dirty="0">
-              <a:solidFill>
-                <a:srgbClr val="333333"/>
-              </a:solidFill>
-              <a:effectLst/>
-              <a:latin typeface="+mn-ea"/>
-            </a:endParaRPr>
-          </a:p>
-          <a:p>
-            <a:pPr marL="0" indent="0">
-              <a:buNone/>
-            </a:pPr>
-            <a:r>
-              <a:rPr lang="en-US" altLang="zh-CN" dirty="0">
-                <a:latin typeface="+mn-ea"/>
-              </a:rPr>
-              <a:t>	</a:t>
-            </a:r>
-            <a:r>
-              <a:rPr lang="zh-CN" altLang="en-US" dirty="0">
-                <a:latin typeface="+mn-ea"/>
-              </a:rPr>
-              <a:t>但是，实现各种链映射到一条链上只是完成了第一步，如果上面的智能合约还是像现在的仅为交易</a:t>
-            </a:r>
-            <a:r>
-              <a:rPr lang="en-US" altLang="zh-CN" dirty="0">
-                <a:latin typeface="+mn-ea"/>
-              </a:rPr>
-              <a:t>	</a:t>
-            </a:r>
-            <a:r>
-              <a:rPr lang="zh-CN" altLang="en-US" dirty="0">
-                <a:latin typeface="+mn-ea"/>
-              </a:rPr>
-              <a:t>触发，智能合约没办法实现分布式运算和多触发机制。</a:t>
-            </a:r>
             <a:endParaRPr lang="en-US" altLang="zh-CN" dirty="0">
               <a:latin typeface="+mn-ea"/>
             </a:endParaRPr>
+          </a:p>
+          <a:p>
+            <a:pPr marL="0" indent="0">
+              <a:buNone/>
+            </a:pPr>
+            <a:r>
+              <a:rPr lang="en-US" altLang="zh-CN" sz="2200" dirty="0">
+                <a:latin typeface="+mn-ea"/>
+              </a:rPr>
+              <a:t>	</a:t>
+            </a:r>
           </a:p>
         </p:txBody>
       </p:sp>
@@ -9849,7 +9989,7 @@
     </p:spTree>
     <p:extLst>
       <p:ext uri="{BB962C8B-B14F-4D97-AF65-F5344CB8AC3E}">
-        <p14:creationId xmlns:p14="http://schemas.microsoft.com/office/powerpoint/2010/main" val="2897383418"/>
+        <p14:creationId xmlns:p14="http://schemas.microsoft.com/office/powerpoint/2010/main" val="1110621705"/>
       </p:ext>
     </p:extLst>
   </p:cSld>
